--- a/doc/Java 高级.pptx
+++ b/doc/Java 高级.pptx
@@ -5,12 +5,11 @@
     <p:sldMasterId id="2147483648" r:id="rId1"/>
   </p:sldMasterIdLst>
   <p:notesMasterIdLst>
-    <p:notesMasterId r:id="rId5"/>
+    <p:notesMasterId r:id="rId4"/>
   </p:notesMasterIdLst>
   <p:sldIdLst>
     <p:sldId id="256" r:id="rId2"/>
     <p:sldId id="258" r:id="rId3"/>
-    <p:sldId id="259" r:id="rId4"/>
   </p:sldIdLst>
   <p:sldSz cx="9144000" cy="6858000" type="screen4x3"/>
   <p:notesSz cx="6858000" cy="9144000"/>
@@ -194,7 +193,7 @@
           <a:p>
             <a:fld id="{B86859C3-2692-784F-AC34-40A9E7B69405}" type="datetimeFigureOut">
               <a:rPr kumimoji="1" lang="zh-CN" altLang="en-US" smtClean="0"/>
-              <a:t>17/2/20</a:t>
+              <a:t>17/3/2</a:t>
             </a:fld>
             <a:endParaRPr kumimoji="1" lang="zh-CN" altLang="en-US"/>
           </a:p>
@@ -643,7 +642,7 @@
           <a:p>
             <a:fld id="{D7B12BEA-236C-5749-AF49-060B228B08C5}" type="datetimeFigureOut">
               <a:rPr kumimoji="1" lang="zh-CN" altLang="en-US" smtClean="0"/>
-              <a:t>17/2/20</a:t>
+              <a:t>17/3/2</a:t>
             </a:fld>
             <a:endParaRPr kumimoji="1" lang="zh-CN" altLang="en-US"/>
           </a:p>
@@ -813,7 +812,7 @@
           <a:p>
             <a:fld id="{D7B12BEA-236C-5749-AF49-060B228B08C5}" type="datetimeFigureOut">
               <a:rPr kumimoji="1" lang="zh-CN" altLang="en-US" smtClean="0"/>
-              <a:t>17/2/20</a:t>
+              <a:t>17/3/2</a:t>
             </a:fld>
             <a:endParaRPr kumimoji="1" lang="zh-CN" altLang="en-US"/>
           </a:p>
@@ -993,7 +992,7 @@
           <a:p>
             <a:fld id="{D7B12BEA-236C-5749-AF49-060B228B08C5}" type="datetimeFigureOut">
               <a:rPr kumimoji="1" lang="zh-CN" altLang="en-US" smtClean="0"/>
-              <a:t>17/2/20</a:t>
+              <a:t>17/3/2</a:t>
             </a:fld>
             <a:endParaRPr kumimoji="1" lang="zh-CN" altLang="en-US"/>
           </a:p>
@@ -1163,7 +1162,7 @@
           <a:p>
             <a:fld id="{D7B12BEA-236C-5749-AF49-060B228B08C5}" type="datetimeFigureOut">
               <a:rPr kumimoji="1" lang="zh-CN" altLang="en-US" smtClean="0"/>
-              <a:t>17/2/20</a:t>
+              <a:t>17/3/2</a:t>
             </a:fld>
             <a:endParaRPr kumimoji="1" lang="zh-CN" altLang="en-US"/>
           </a:p>
@@ -1409,7 +1408,7 @@
           <a:p>
             <a:fld id="{D7B12BEA-236C-5749-AF49-060B228B08C5}" type="datetimeFigureOut">
               <a:rPr kumimoji="1" lang="zh-CN" altLang="en-US" smtClean="0"/>
-              <a:t>17/2/20</a:t>
+              <a:t>17/3/2</a:t>
             </a:fld>
             <a:endParaRPr kumimoji="1" lang="zh-CN" altLang="en-US"/>
           </a:p>
@@ -1697,7 +1696,7 @@
           <a:p>
             <a:fld id="{D7B12BEA-236C-5749-AF49-060B228B08C5}" type="datetimeFigureOut">
               <a:rPr kumimoji="1" lang="zh-CN" altLang="en-US" smtClean="0"/>
-              <a:t>17/2/20</a:t>
+              <a:t>17/3/2</a:t>
             </a:fld>
             <a:endParaRPr kumimoji="1" lang="zh-CN" altLang="en-US"/>
           </a:p>
@@ -2119,7 +2118,7 @@
           <a:p>
             <a:fld id="{D7B12BEA-236C-5749-AF49-060B228B08C5}" type="datetimeFigureOut">
               <a:rPr kumimoji="1" lang="zh-CN" altLang="en-US" smtClean="0"/>
-              <a:t>17/2/20</a:t>
+              <a:t>17/3/2</a:t>
             </a:fld>
             <a:endParaRPr kumimoji="1" lang="zh-CN" altLang="en-US"/>
           </a:p>
@@ -2237,7 +2236,7 @@
           <a:p>
             <a:fld id="{D7B12BEA-236C-5749-AF49-060B228B08C5}" type="datetimeFigureOut">
               <a:rPr kumimoji="1" lang="zh-CN" altLang="en-US" smtClean="0"/>
-              <a:t>17/2/20</a:t>
+              <a:t>17/3/2</a:t>
             </a:fld>
             <a:endParaRPr kumimoji="1" lang="zh-CN" altLang="en-US"/>
           </a:p>
@@ -2332,7 +2331,7 @@
           <a:p>
             <a:fld id="{D7B12BEA-236C-5749-AF49-060B228B08C5}" type="datetimeFigureOut">
               <a:rPr kumimoji="1" lang="zh-CN" altLang="en-US" smtClean="0"/>
-              <a:t>17/2/20</a:t>
+              <a:t>17/3/2</a:t>
             </a:fld>
             <a:endParaRPr kumimoji="1" lang="zh-CN" altLang="en-US"/>
           </a:p>
@@ -2609,7 +2608,7 @@
           <a:p>
             <a:fld id="{D7B12BEA-236C-5749-AF49-060B228B08C5}" type="datetimeFigureOut">
               <a:rPr kumimoji="1" lang="zh-CN" altLang="en-US" smtClean="0"/>
-              <a:t>17/2/20</a:t>
+              <a:t>17/3/2</a:t>
             </a:fld>
             <a:endParaRPr kumimoji="1" lang="zh-CN" altLang="en-US"/>
           </a:p>
@@ -2862,7 +2861,7 @@
           <a:p>
             <a:fld id="{D7B12BEA-236C-5749-AF49-060B228B08C5}" type="datetimeFigureOut">
               <a:rPr kumimoji="1" lang="zh-CN" altLang="en-US" smtClean="0"/>
-              <a:t>17/2/20</a:t>
+              <a:t>17/3/2</a:t>
             </a:fld>
             <a:endParaRPr kumimoji="1" lang="zh-CN" altLang="en-US"/>
           </a:p>
@@ -3075,7 +3074,7 @@
           <a:p>
             <a:fld id="{D7B12BEA-236C-5749-AF49-060B228B08C5}" type="datetimeFigureOut">
               <a:rPr kumimoji="1" lang="zh-CN" altLang="en-US" smtClean="0"/>
-              <a:t>17/2/20</a:t>
+              <a:t>17/3/2</a:t>
             </a:fld>
             <a:endParaRPr kumimoji="1" lang="zh-CN" altLang="en-US"/>
           </a:p>
@@ -3537,10 +3536,6 @@
           <a:bodyPr/>
           <a:lstStyle/>
           <a:p>
-            <a:r>
-              <a:rPr kumimoji="1" lang="zh-CN" altLang="en-US" dirty="0" smtClean="0"/>
-              <a:t>什么是资源</a:t>
-            </a:r>
             <a:endParaRPr kumimoji="1" lang="zh-CN" altLang="en-US" dirty="0"/>
           </a:p>
         </p:txBody>
@@ -3684,98 +3679,6 @@
       </p:par>
     </p:tnLst>
   </p:timing>
-</p:sld>
-</file>
-
-<file path=ppt/slides/slide3.xml><?xml version="1.0" encoding="utf-8"?>
-<p:sld xmlns:a="http://schemas.openxmlformats.org/drawingml/2006/main" xmlns:r="http://schemas.openxmlformats.org/officeDocument/2006/relationships" xmlns:p="http://schemas.openxmlformats.org/presentationml/2006/main">
-  <p:cSld>
-    <p:spTree>
-      <p:nvGrpSpPr>
-        <p:cNvPr id="1" name=""/>
-        <p:cNvGrpSpPr/>
-        <p:nvPr/>
-      </p:nvGrpSpPr>
-      <p:grpSpPr>
-        <a:xfrm>
-          <a:off x="0" y="0"/>
-          <a:ext cx="0" cy="0"/>
-          <a:chOff x="0" y="0"/>
-          <a:chExt cx="0" cy="0"/>
-        </a:xfrm>
-      </p:grpSpPr>
-      <p:sp>
-        <p:nvSpPr>
-          <p:cNvPr id="2" name="标题 1"/>
-          <p:cNvSpPr>
-            <a:spLocks noGrp="1"/>
-          </p:cNvSpPr>
-          <p:nvPr>
-            <p:ph type="title"/>
-          </p:nvPr>
-        </p:nvSpPr>
-        <p:spPr/>
-        <p:txBody>
-          <a:bodyPr/>
-          <a:lstStyle/>
-          <a:p>
-            <a:r>
-              <a:rPr lang="pl-PL" altLang="zh-CN" dirty="0"/>
-              <a:t>BS</a:t>
-            </a:r>
-            <a:r>
-              <a:rPr lang="zh-CN" altLang="pl-PL" dirty="0"/>
-              <a:t>之 </a:t>
-            </a:r>
-            <a:r>
-              <a:rPr lang="pl-PL" altLang="zh-CN" dirty="0" err="1"/>
-              <a:t>cookie</a:t>
-            </a:r>
-            <a:r>
-              <a:rPr lang="pl-PL" altLang="zh-CN" dirty="0"/>
-              <a:t> </a:t>
-            </a:r>
-            <a:r>
-              <a:rPr lang="zh-CN" altLang="pl-PL" dirty="0"/>
-              <a:t>与 </a:t>
-            </a:r>
-            <a:r>
-              <a:rPr lang="pl-PL" altLang="zh-CN" dirty="0" err="1"/>
-              <a:t>session</a:t>
-            </a:r>
-            <a:endParaRPr kumimoji="1" lang="zh-CN" altLang="en-US" dirty="0"/>
-          </a:p>
-        </p:txBody>
-      </p:sp>
-      <p:sp>
-        <p:nvSpPr>
-          <p:cNvPr id="3" name="内容占位符 2"/>
-          <p:cNvSpPr>
-            <a:spLocks noGrp="1"/>
-          </p:cNvSpPr>
-          <p:nvPr>
-            <p:ph idx="1"/>
-          </p:nvPr>
-        </p:nvSpPr>
-        <p:spPr/>
-        <p:txBody>
-          <a:bodyPr/>
-          <a:lstStyle/>
-          <a:p>
-            <a:endParaRPr kumimoji="1" lang="zh-CN" altLang="en-US" dirty="0"/>
-          </a:p>
-        </p:txBody>
-      </p:sp>
-    </p:spTree>
-    <p:extLst>
-      <p:ext uri="{BB962C8B-B14F-4D97-AF65-F5344CB8AC3E}">
-        <p14:creationId xmlns:p14="http://schemas.microsoft.com/office/powerpoint/2010/main" val="366803774"/>
-      </p:ext>
-    </p:extLst>
-  </p:cSld>
-  <p:clrMapOvr>
-    <a:masterClrMapping/>
-  </p:clrMapOvr>
 </p:sld>
 </file>
 
